--- a/Presentation.pptx
+++ b/Presentation.pptx
@@ -116,6 +116,7 @@
 <file path=ppt/revisionInfo.xml><?xml version="1.0" encoding="utf-8"?>
 <p1510:revInfo xmlns:a="http://schemas.openxmlformats.org/drawingml/2006/main" xmlns:r="http://schemas.openxmlformats.org/officeDocument/2006/relationships" xmlns:p1510="http://schemas.microsoft.com/office/powerpoint/2015/10/main">
   <p1510:revLst>
+    <p1510:client id="{64D3C006-E9C9-4BF3-AAF1-78A0EEEF7678}" v="209" dt="2020-05-07T04:09:30.019"/>
     <p1510:client id="{E2C397B7-1924-4F5A-B8A7-2C52B0A08628}" v="141" dt="2020-05-07T03:00:06.744"/>
   </p1510:revLst>
 </p1510:revInfo>
@@ -3161,7 +3162,27 @@
               <a:rPr lang="en-US" dirty="0">
                 <a:cs typeface="Calibri"/>
               </a:rPr>
-              <a:t>Yeah it's pretty cool </a:t>
+              <a:t>Yeah it's pretty cool</a:t>
+            </a:r>
+          </a:p>
+          <a:p>
+            <a:r>
+              <a:rPr lang="en-US" dirty="0">
+                <a:cs typeface="Calibri"/>
+              </a:rPr>
+              <a:t>WOW factor includes: saving and loading from an </a:t>
+            </a:r>
+            <a:r>
+              <a:rPr lang="en-US" dirty="0" err="1">
+                <a:cs typeface="Calibri"/>
+              </a:rPr>
+              <a:t>ics</a:t>
+            </a:r>
+            <a:r>
+              <a:rPr lang="en-US" dirty="0">
+                <a:cs typeface="Calibri"/>
+              </a:rPr>
+              <a:t> file and color labeling per calendar. </a:t>
             </a:r>
           </a:p>
           <a:p>
